--- a/Format/Process.pptx
+++ b/Format/Process.pptx
@@ -1949,6 +1949,13 @@
         </dgm:presLayoutVars>
       </dgm:prSet>
       <dgm:spPr/>
+      <dgm:t>
+        <a:bodyPr/>
+        <a:lstStyle/>
+        <a:p>
+          <a:endParaRPr lang="en-US"/>
+        </a:p>
+      </dgm:t>
     </dgm:pt>
     <dgm:pt modelId="{062F3C5D-90D3-4648-A869-7B3A5B4E7516}" type="pres">
       <dgm:prSet presAssocID="{219D431F-F9C0-42FB-A47C-BDE055427046}" presName="parentText1" presStyleLbl="node1" presStyleIdx="0" presStyleCnt="4">
@@ -2010,6 +2017,13 @@
         </dgm:presLayoutVars>
       </dgm:prSet>
       <dgm:spPr/>
+      <dgm:t>
+        <a:bodyPr/>
+        <a:lstStyle/>
+        <a:p>
+          <a:endParaRPr lang="en-US"/>
+        </a:p>
+      </dgm:t>
     </dgm:pt>
     <dgm:pt modelId="{44F0AAFA-90B3-45DC-B53E-FBFA7C0B9B6F}" type="pres">
       <dgm:prSet presAssocID="{89564A20-2C47-4BBF-8996-816B8CF4393F}" presName="parentText3" presStyleLbl="node1" presStyleIdx="2" presStyleCnt="4">
@@ -2020,6 +2034,13 @@
         </dgm:presLayoutVars>
       </dgm:prSet>
       <dgm:spPr/>
+      <dgm:t>
+        <a:bodyPr/>
+        <a:lstStyle/>
+        <a:p>
+          <a:endParaRPr lang="en-US"/>
+        </a:p>
+      </dgm:t>
     </dgm:pt>
     <dgm:pt modelId="{C1BB9A81-85A0-49BF-B540-9BD1DBEA8E10}" type="pres">
       <dgm:prSet presAssocID="{89564A20-2C47-4BBF-8996-816B8CF4393F}" presName="childText3" presStyleLbl="solidAlignAcc1" presStyleIdx="2" presStyleCnt="4">
@@ -2074,23 +2095,23 @@
     </dgm:pt>
   </dgm:ptLst>
   <dgm:cxnLst>
-    <dgm:cxn modelId="{DB51F8E1-C3AE-4F0D-9DEB-65B17C633C96}" type="presOf" srcId="{219D431F-F9C0-42FB-A47C-BDE055427046}" destId="{062F3C5D-90D3-4648-A869-7B3A5B4E7516}" srcOrd="0" destOrd="0" presId="urn:microsoft.com/office/officeart/2009/3/layout/IncreasingArrowsProcess"/>
+    <dgm:cxn modelId="{A2C379FF-D186-4451-A8F8-FD957E8F74CD}" srcId="{31600BB4-56A9-4294-84C8-7C115C096F59}" destId="{E460A8E5-5658-4112-9CF9-0AE36ABC7704}" srcOrd="0" destOrd="0" parTransId="{3D3007BC-D20D-4E5B-B8AD-D32429F15341}" sibTransId="{F8AAE097-5747-453B-A9F1-1446D90AE5E4}"/>
+    <dgm:cxn modelId="{85FAAB16-242A-466F-B033-21EBD822A3A2}" type="presOf" srcId="{541B8E52-CC42-4C29-ABB6-25BD90745BA9}" destId="{41752F75-9B2A-4327-971F-A4ED6F98DAFA}" srcOrd="0" destOrd="0" presId="urn:microsoft.com/office/officeart/2009/3/layout/IncreasingArrowsProcess"/>
+    <dgm:cxn modelId="{3C95FD21-49F1-46B3-8E99-9196F2B31FE5}" srcId="{89564A20-2C47-4BBF-8996-816B8CF4393F}" destId="{018FE4E7-F0B1-4C5B-89EF-1A4FBF9B1BF8}" srcOrd="0" destOrd="0" parTransId="{6E0F3064-59BF-40A8-884D-D2CA14D115C6}" sibTransId="{5E4CEBE4-4683-47F0-AD98-7A7309D33A72}"/>
     <dgm:cxn modelId="{6C2BBB8F-E984-436A-A206-3689A527E618}" type="presOf" srcId="{31600BB4-56A9-4294-84C8-7C115C096F59}" destId="{31C3FFA2-01C6-4C4A-959A-96D2EFFE35C6}" srcOrd="0" destOrd="0" presId="urn:microsoft.com/office/officeart/2009/3/layout/IncreasingArrowsProcess"/>
-    <dgm:cxn modelId="{97B2EF9A-B96E-44FD-84BA-4FAC352D3F3C}" type="presOf" srcId="{6E87810C-F9EB-4674-9462-4A8D8B999A76}" destId="{FBF21595-3936-4364-8F6E-65E7EE3A177F}" srcOrd="0" destOrd="0" presId="urn:microsoft.com/office/officeart/2009/3/layout/IncreasingArrowsProcess"/>
+    <dgm:cxn modelId="{0E4F0A27-7FF8-48F3-8353-37AD8FEF8A90}" type="presOf" srcId="{018FE4E7-F0B1-4C5B-89EF-1A4FBF9B1BF8}" destId="{C1BB9A81-85A0-49BF-B540-9BD1DBEA8E10}" srcOrd="0" destOrd="0" presId="urn:microsoft.com/office/officeart/2009/3/layout/IncreasingArrowsProcess"/>
     <dgm:cxn modelId="{DEB4EC27-C4A6-4D17-B499-8476B979DE10}" type="presOf" srcId="{62766583-3FDA-4263-9C2F-245CCFDEC7C3}" destId="{8B9F76BC-345F-48AB-BFC3-354A2ACAAF03}" srcOrd="0" destOrd="0" presId="urn:microsoft.com/office/officeart/2009/3/layout/IncreasingArrowsProcess"/>
     <dgm:cxn modelId="{45FE3576-A39A-4577-82DC-E2F0852FE107}" srcId="{6E87810C-F9EB-4674-9462-4A8D8B999A76}" destId="{62766583-3FDA-4263-9C2F-245CCFDEC7C3}" srcOrd="0" destOrd="0" parTransId="{080F9752-AD8B-4F3F-8DA0-E6EA30BC957E}" sibTransId="{A7940C9C-773E-4AAC-A176-EFFC17F46BBB}"/>
-    <dgm:cxn modelId="{3C95FD21-49F1-46B3-8E99-9196F2B31FE5}" srcId="{89564A20-2C47-4BBF-8996-816B8CF4393F}" destId="{018FE4E7-F0B1-4C5B-89EF-1A4FBF9B1BF8}" srcOrd="0" destOrd="0" parTransId="{6E0F3064-59BF-40A8-884D-D2CA14D115C6}" sibTransId="{5E4CEBE4-4683-47F0-AD98-7A7309D33A72}"/>
+    <dgm:cxn modelId="{0533038F-951D-4D92-90A6-8DBF8C4DA5D2}" srcId="{B538F12E-B7B8-4C8D-BF8D-0D8D27122D34}" destId="{219D431F-F9C0-42FB-A47C-BDE055427046}" srcOrd="0" destOrd="0" parTransId="{013CF989-A045-4DCC-8651-7345049F0806}" sibTransId="{A968E219-4656-4B59-B764-204C0AF05C86}"/>
+    <dgm:cxn modelId="{0216C80D-7F36-408D-9785-B6640A04F51D}" type="presOf" srcId="{89564A20-2C47-4BBF-8996-816B8CF4393F}" destId="{44F0AAFA-90B3-45DC-B53E-FBFA7C0B9B6F}" srcOrd="0" destOrd="0" presId="urn:microsoft.com/office/officeart/2009/3/layout/IncreasingArrowsProcess"/>
+    <dgm:cxn modelId="{97B2EF9A-B96E-44FD-84BA-4FAC352D3F3C}" type="presOf" srcId="{6E87810C-F9EB-4674-9462-4A8D8B999A76}" destId="{FBF21595-3936-4364-8F6E-65E7EE3A177F}" srcOrd="0" destOrd="0" presId="urn:microsoft.com/office/officeart/2009/3/layout/IncreasingArrowsProcess"/>
+    <dgm:cxn modelId="{233979AD-0DB6-4331-ACE9-4585A03D80D5}" type="presOf" srcId="{B538F12E-B7B8-4C8D-BF8D-0D8D27122D34}" destId="{0EC1678B-4907-4CA5-8AFC-1CBB478CBD7E}" srcOrd="0" destOrd="0" presId="urn:microsoft.com/office/officeart/2009/3/layout/IncreasingArrowsProcess"/>
+    <dgm:cxn modelId="{C126201B-BFBD-4DB0-A899-D2A3B5740A2E}" srcId="{219D431F-F9C0-42FB-A47C-BDE055427046}" destId="{541B8E52-CC42-4C29-ABB6-25BD90745BA9}" srcOrd="0" destOrd="0" parTransId="{AD878CBC-9CA3-4C5D-860B-B300CF210BF3}" sibTransId="{B16AFE3B-FE70-4B67-8355-CC0267570C4D}"/>
+    <dgm:cxn modelId="{DB51F8E1-C3AE-4F0D-9DEB-65B17C633C96}" type="presOf" srcId="{219D431F-F9C0-42FB-A47C-BDE055427046}" destId="{062F3C5D-90D3-4648-A869-7B3A5B4E7516}" srcOrd="0" destOrd="0" presId="urn:microsoft.com/office/officeart/2009/3/layout/IncreasingArrowsProcess"/>
+    <dgm:cxn modelId="{CD2A392E-E86D-4CDD-AEEF-141503208532}" type="presOf" srcId="{E460A8E5-5658-4112-9CF9-0AE36ABC7704}" destId="{520D7467-D89D-4404-B97E-929976D8E9AD}" srcOrd="0" destOrd="0" presId="urn:microsoft.com/office/officeart/2009/3/layout/IncreasingArrowsProcess"/>
     <dgm:cxn modelId="{B249ACC8-8551-4C63-B0FD-0076047A86E3}" srcId="{B538F12E-B7B8-4C8D-BF8D-0D8D27122D34}" destId="{89564A20-2C47-4BBF-8996-816B8CF4393F}" srcOrd="2" destOrd="0" parTransId="{0A850B76-8DA9-437A-BA5B-4D39479B4A30}" sibTransId="{FB03A3EA-9845-4C85-8B7B-229B33565925}"/>
-    <dgm:cxn modelId="{233979AD-0DB6-4331-ACE9-4585A03D80D5}" type="presOf" srcId="{B538F12E-B7B8-4C8D-BF8D-0D8D27122D34}" destId="{0EC1678B-4907-4CA5-8AFC-1CBB478CBD7E}" srcOrd="0" destOrd="0" presId="urn:microsoft.com/office/officeart/2009/3/layout/IncreasingArrowsProcess"/>
-    <dgm:cxn modelId="{CD2A392E-E86D-4CDD-AEEF-141503208532}" type="presOf" srcId="{E460A8E5-5658-4112-9CF9-0AE36ABC7704}" destId="{520D7467-D89D-4404-B97E-929976D8E9AD}" srcOrd="0" destOrd="0" presId="urn:microsoft.com/office/officeart/2009/3/layout/IncreasingArrowsProcess"/>
-    <dgm:cxn modelId="{C126201B-BFBD-4DB0-A899-D2A3B5740A2E}" srcId="{219D431F-F9C0-42FB-A47C-BDE055427046}" destId="{541B8E52-CC42-4C29-ABB6-25BD90745BA9}" srcOrd="0" destOrd="0" parTransId="{AD878CBC-9CA3-4C5D-860B-B300CF210BF3}" sibTransId="{B16AFE3B-FE70-4B67-8355-CC0267570C4D}"/>
-    <dgm:cxn modelId="{0E4F0A27-7FF8-48F3-8353-37AD8FEF8A90}" type="presOf" srcId="{018FE4E7-F0B1-4C5B-89EF-1A4FBF9B1BF8}" destId="{C1BB9A81-85A0-49BF-B540-9BD1DBEA8E10}" srcOrd="0" destOrd="0" presId="urn:microsoft.com/office/officeart/2009/3/layout/IncreasingArrowsProcess"/>
-    <dgm:cxn modelId="{0216C80D-7F36-408D-9785-B6640A04F51D}" type="presOf" srcId="{89564A20-2C47-4BBF-8996-816B8CF4393F}" destId="{44F0AAFA-90B3-45DC-B53E-FBFA7C0B9B6F}" srcOrd="0" destOrd="0" presId="urn:microsoft.com/office/officeart/2009/3/layout/IncreasingArrowsProcess"/>
-    <dgm:cxn modelId="{A2C379FF-D186-4451-A8F8-FD957E8F74CD}" srcId="{31600BB4-56A9-4294-84C8-7C115C096F59}" destId="{E460A8E5-5658-4112-9CF9-0AE36ABC7704}" srcOrd="0" destOrd="0" parTransId="{3D3007BC-D20D-4E5B-B8AD-D32429F15341}" sibTransId="{F8AAE097-5747-453B-A9F1-1446D90AE5E4}"/>
-    <dgm:cxn modelId="{0533038F-951D-4D92-90A6-8DBF8C4DA5D2}" srcId="{B538F12E-B7B8-4C8D-BF8D-0D8D27122D34}" destId="{219D431F-F9C0-42FB-A47C-BDE055427046}" srcOrd="0" destOrd="0" parTransId="{013CF989-A045-4DCC-8651-7345049F0806}" sibTransId="{A968E219-4656-4B59-B764-204C0AF05C86}"/>
+    <dgm:cxn modelId="{D2A652F1-6A3A-40F1-9538-6E5430623662}" srcId="{B538F12E-B7B8-4C8D-BF8D-0D8D27122D34}" destId="{31600BB4-56A9-4294-84C8-7C115C096F59}" srcOrd="1" destOrd="0" parTransId="{B1A1CFC4-8DA7-4518-8D6C-3844532CB15E}" sibTransId="{4B59404F-385F-44B2-BC7C-B09CC3D5A5A9}"/>
     <dgm:cxn modelId="{36598EC7-345A-425E-86F7-C49E191FA4A1}" srcId="{B538F12E-B7B8-4C8D-BF8D-0D8D27122D34}" destId="{6E87810C-F9EB-4674-9462-4A8D8B999A76}" srcOrd="3" destOrd="0" parTransId="{A10E2D2A-985C-4495-B2A9-A1BDC9FDE523}" sibTransId="{E7B1602A-FDCA-44C1-8726-0DC5CBD37DF2}"/>
-    <dgm:cxn modelId="{D2A652F1-6A3A-40F1-9538-6E5430623662}" srcId="{B538F12E-B7B8-4C8D-BF8D-0D8D27122D34}" destId="{31600BB4-56A9-4294-84C8-7C115C096F59}" srcOrd="1" destOrd="0" parTransId="{B1A1CFC4-8DA7-4518-8D6C-3844532CB15E}" sibTransId="{4B59404F-385F-44B2-BC7C-B09CC3D5A5A9}"/>
-    <dgm:cxn modelId="{85FAAB16-242A-466F-B033-21EBD822A3A2}" type="presOf" srcId="{541B8E52-CC42-4C29-ABB6-25BD90745BA9}" destId="{41752F75-9B2A-4327-971F-A4ED6F98DAFA}" srcOrd="0" destOrd="0" presId="urn:microsoft.com/office/officeart/2009/3/layout/IncreasingArrowsProcess"/>
     <dgm:cxn modelId="{2DEE5AB1-4672-4C87-984E-F03A81BFDEA9}" type="presParOf" srcId="{0EC1678B-4907-4CA5-8AFC-1CBB478CBD7E}" destId="{062F3C5D-90D3-4648-A869-7B3A5B4E7516}" srcOrd="0" destOrd="0" presId="urn:microsoft.com/office/officeart/2009/3/layout/IncreasingArrowsProcess"/>
     <dgm:cxn modelId="{98AEA9FB-0A09-43C8-ACF2-89AEF1AD0417}" type="presParOf" srcId="{0EC1678B-4907-4CA5-8AFC-1CBB478CBD7E}" destId="{41752F75-9B2A-4327-971F-A4ED6F98DAFA}" srcOrd="1" destOrd="0" presId="urn:microsoft.com/office/officeart/2009/3/layout/IncreasingArrowsProcess"/>
     <dgm:cxn modelId="{F4577E98-04AB-4F60-8AC7-A9BA55BC4A65}" type="presParOf" srcId="{0EC1678B-4907-4CA5-8AFC-1CBB478CBD7E}" destId="{31C3FFA2-01C6-4C4A-959A-96D2EFFE35C6}" srcOrd="2" destOrd="0" presId="urn:microsoft.com/office/officeart/2009/3/layout/IncreasingArrowsProcess"/>
@@ -2377,6 +2398,13 @@
         </dgm:presLayoutVars>
       </dgm:prSet>
       <dgm:spPr/>
+      <dgm:t>
+        <a:bodyPr/>
+        <a:lstStyle/>
+        <a:p>
+          <a:endParaRPr lang="en-US"/>
+        </a:p>
+      </dgm:t>
     </dgm:pt>
     <dgm:pt modelId="{062F3C5D-90D3-4648-A869-7B3A5B4E7516}" type="pres">
       <dgm:prSet presAssocID="{219D431F-F9C0-42FB-A47C-BDE055427046}" presName="parentText1" presStyleLbl="node1" presStyleIdx="0" presStyleCnt="3">
@@ -2455,6 +2483,13 @@
         </dgm:presLayoutVars>
       </dgm:prSet>
       <dgm:spPr/>
+      <dgm:t>
+        <a:bodyPr/>
+        <a:lstStyle/>
+        <a:p>
+          <a:endParaRPr lang="en-US"/>
+        </a:p>
+      </dgm:t>
     </dgm:pt>
     <dgm:pt modelId="{3C1C2BA5-C732-4E54-8CD7-C76EE30C6F3C}" type="pres">
       <dgm:prSet presAssocID="{6E87810C-F9EB-4674-9462-4A8D8B999A76}" presName="childText3" presStyleLbl="solidAlignAcc1" presStyleIdx="2" presStyleCnt="3">
@@ -2465,22 +2500,29 @@
         </dgm:presLayoutVars>
       </dgm:prSet>
       <dgm:spPr/>
+      <dgm:t>
+        <a:bodyPr/>
+        <a:lstStyle/>
+        <a:p>
+          <a:endParaRPr lang="en-US"/>
+        </a:p>
+      </dgm:t>
     </dgm:pt>
   </dgm:ptLst>
   <dgm:cxnLst>
-    <dgm:cxn modelId="{0FB798E9-8177-4806-9EEC-1A23C3EA94DC}" type="presOf" srcId="{62766583-3FDA-4263-9C2F-245CCFDEC7C3}" destId="{3C1C2BA5-C732-4E54-8CD7-C76EE30C6F3C}" srcOrd="0" destOrd="0" presId="urn:microsoft.com/office/officeart/2009/3/layout/IncreasingArrowsProcess"/>
-    <dgm:cxn modelId="{F5262193-7A41-44CE-AE1C-914E01FDB126}" type="presOf" srcId="{E460A8E5-5658-4112-9CF9-0AE36ABC7704}" destId="{520D7467-D89D-4404-B97E-929976D8E9AD}" srcOrd="0" destOrd="0" presId="urn:microsoft.com/office/officeart/2009/3/layout/IncreasingArrowsProcess"/>
-    <dgm:cxn modelId="{FA708B57-0885-4C1D-96BC-EA1317FE97BD}" type="presOf" srcId="{219D431F-F9C0-42FB-A47C-BDE055427046}" destId="{062F3C5D-90D3-4648-A869-7B3A5B4E7516}" srcOrd="0" destOrd="0" presId="urn:microsoft.com/office/officeart/2009/3/layout/IncreasingArrowsProcess"/>
-    <dgm:cxn modelId="{A2C379FF-D186-4451-A8F8-FD957E8F74CD}" srcId="{31600BB4-56A9-4294-84C8-7C115C096F59}" destId="{E460A8E5-5658-4112-9CF9-0AE36ABC7704}" srcOrd="0" destOrd="0" parTransId="{3D3007BC-D20D-4E5B-B8AD-D32429F15341}" sibTransId="{F8AAE097-5747-453B-A9F1-1446D90AE5E4}"/>
-    <dgm:cxn modelId="{36598EC7-345A-425E-86F7-C49E191FA4A1}" srcId="{B538F12E-B7B8-4C8D-BF8D-0D8D27122D34}" destId="{6E87810C-F9EB-4674-9462-4A8D8B999A76}" srcOrd="2" destOrd="0" parTransId="{A10E2D2A-985C-4495-B2A9-A1BDC9FDE523}" sibTransId="{E7B1602A-FDCA-44C1-8726-0DC5CBD37DF2}"/>
     <dgm:cxn modelId="{0533038F-951D-4D92-90A6-8DBF8C4DA5D2}" srcId="{B538F12E-B7B8-4C8D-BF8D-0D8D27122D34}" destId="{219D431F-F9C0-42FB-A47C-BDE055427046}" srcOrd="0" destOrd="0" parTransId="{013CF989-A045-4DCC-8651-7345049F0806}" sibTransId="{A968E219-4656-4B59-B764-204C0AF05C86}"/>
     <dgm:cxn modelId="{45FE3576-A39A-4577-82DC-E2F0852FE107}" srcId="{6E87810C-F9EB-4674-9462-4A8D8B999A76}" destId="{62766583-3FDA-4263-9C2F-245CCFDEC7C3}" srcOrd="0" destOrd="0" parTransId="{080F9752-AD8B-4F3F-8DA0-E6EA30BC957E}" sibTransId="{A7940C9C-773E-4AAC-A176-EFFC17F46BBB}"/>
+    <dgm:cxn modelId="{D2A652F1-6A3A-40F1-9538-6E5430623662}" srcId="{B538F12E-B7B8-4C8D-BF8D-0D8D27122D34}" destId="{31600BB4-56A9-4294-84C8-7C115C096F59}" srcOrd="1" destOrd="0" parTransId="{B1A1CFC4-8DA7-4518-8D6C-3844532CB15E}" sibTransId="{4B59404F-385F-44B2-BC7C-B09CC3D5A5A9}"/>
+    <dgm:cxn modelId="{36598EC7-345A-425E-86F7-C49E191FA4A1}" srcId="{B538F12E-B7B8-4C8D-BF8D-0D8D27122D34}" destId="{6E87810C-F9EB-4674-9462-4A8D8B999A76}" srcOrd="2" destOrd="0" parTransId="{A10E2D2A-985C-4495-B2A9-A1BDC9FDE523}" sibTransId="{E7B1602A-FDCA-44C1-8726-0DC5CBD37DF2}"/>
+    <dgm:cxn modelId="{A2C379FF-D186-4451-A8F8-FD957E8F74CD}" srcId="{31600BB4-56A9-4294-84C8-7C115C096F59}" destId="{E460A8E5-5658-4112-9CF9-0AE36ABC7704}" srcOrd="0" destOrd="0" parTransId="{3D3007BC-D20D-4E5B-B8AD-D32429F15341}" sibTransId="{F8AAE097-5747-453B-A9F1-1446D90AE5E4}"/>
     <dgm:cxn modelId="{890A6C55-9DFD-4D10-B4A3-0779E1521168}" type="presOf" srcId="{B538F12E-B7B8-4C8D-BF8D-0D8D27122D34}" destId="{0EC1678B-4907-4CA5-8AFC-1CBB478CBD7E}" srcOrd="0" destOrd="0" presId="urn:microsoft.com/office/officeart/2009/3/layout/IncreasingArrowsProcess"/>
-    <dgm:cxn modelId="{D2A652F1-6A3A-40F1-9538-6E5430623662}" srcId="{B538F12E-B7B8-4C8D-BF8D-0D8D27122D34}" destId="{31600BB4-56A9-4294-84C8-7C115C096F59}" srcOrd="1" destOrd="0" parTransId="{B1A1CFC4-8DA7-4518-8D6C-3844532CB15E}" sibTransId="{4B59404F-385F-44B2-BC7C-B09CC3D5A5A9}"/>
-    <dgm:cxn modelId="{1BE0E019-B27A-48B8-BCC9-D9B9FF283FE1}" type="presOf" srcId="{541B8E52-CC42-4C29-ABB6-25BD90745BA9}" destId="{41752F75-9B2A-4327-971F-A4ED6F98DAFA}" srcOrd="0" destOrd="0" presId="urn:microsoft.com/office/officeart/2009/3/layout/IncreasingArrowsProcess"/>
-    <dgm:cxn modelId="{D669A7F3-4253-40E1-83AD-53C6EAB45DE3}" type="presOf" srcId="{6E87810C-F9EB-4674-9462-4A8D8B999A76}" destId="{E0198912-1610-41A2-BA9E-E8C91A191824}" srcOrd="0" destOrd="0" presId="urn:microsoft.com/office/officeart/2009/3/layout/IncreasingArrowsProcess"/>
+    <dgm:cxn modelId="{FA708B57-0885-4C1D-96BC-EA1317FE97BD}" type="presOf" srcId="{219D431F-F9C0-42FB-A47C-BDE055427046}" destId="{062F3C5D-90D3-4648-A869-7B3A5B4E7516}" srcOrd="0" destOrd="0" presId="urn:microsoft.com/office/officeart/2009/3/layout/IncreasingArrowsProcess"/>
+    <dgm:cxn modelId="{0FB798E9-8177-4806-9EEC-1A23C3EA94DC}" type="presOf" srcId="{62766583-3FDA-4263-9C2F-245CCFDEC7C3}" destId="{3C1C2BA5-C732-4E54-8CD7-C76EE30C6F3C}" srcOrd="0" destOrd="0" presId="urn:microsoft.com/office/officeart/2009/3/layout/IncreasingArrowsProcess"/>
     <dgm:cxn modelId="{E83274C8-7A35-4D84-AF71-85140B41C32F}" type="presOf" srcId="{31600BB4-56A9-4294-84C8-7C115C096F59}" destId="{31C3FFA2-01C6-4C4A-959A-96D2EFFE35C6}" srcOrd="0" destOrd="0" presId="urn:microsoft.com/office/officeart/2009/3/layout/IncreasingArrowsProcess"/>
     <dgm:cxn modelId="{C126201B-BFBD-4DB0-A899-D2A3B5740A2E}" srcId="{219D431F-F9C0-42FB-A47C-BDE055427046}" destId="{541B8E52-CC42-4C29-ABB6-25BD90745BA9}" srcOrd="0" destOrd="0" parTransId="{AD878CBC-9CA3-4C5D-860B-B300CF210BF3}" sibTransId="{B16AFE3B-FE70-4B67-8355-CC0267570C4D}"/>
+    <dgm:cxn modelId="{F5262193-7A41-44CE-AE1C-914E01FDB126}" type="presOf" srcId="{E460A8E5-5658-4112-9CF9-0AE36ABC7704}" destId="{520D7467-D89D-4404-B97E-929976D8E9AD}" srcOrd="0" destOrd="0" presId="urn:microsoft.com/office/officeart/2009/3/layout/IncreasingArrowsProcess"/>
+    <dgm:cxn modelId="{D669A7F3-4253-40E1-83AD-53C6EAB45DE3}" type="presOf" srcId="{6E87810C-F9EB-4674-9462-4A8D8B999A76}" destId="{E0198912-1610-41A2-BA9E-E8C91A191824}" srcOrd="0" destOrd="0" presId="urn:microsoft.com/office/officeart/2009/3/layout/IncreasingArrowsProcess"/>
+    <dgm:cxn modelId="{1BE0E019-B27A-48B8-BCC9-D9B9FF283FE1}" type="presOf" srcId="{541B8E52-CC42-4C29-ABB6-25BD90745BA9}" destId="{41752F75-9B2A-4327-971F-A4ED6F98DAFA}" srcOrd="0" destOrd="0" presId="urn:microsoft.com/office/officeart/2009/3/layout/IncreasingArrowsProcess"/>
     <dgm:cxn modelId="{3D35BE94-10C9-4F4E-9F13-3ED8F85804CC}" type="presParOf" srcId="{0EC1678B-4907-4CA5-8AFC-1CBB478CBD7E}" destId="{062F3C5D-90D3-4648-A869-7B3A5B4E7516}" srcOrd="0" destOrd="0" presId="urn:microsoft.com/office/officeart/2009/3/layout/IncreasingArrowsProcess"/>
     <dgm:cxn modelId="{F23A9614-D05E-4E9F-85DD-A1CE86360B7F}" type="presParOf" srcId="{0EC1678B-4907-4CA5-8AFC-1CBB478CBD7E}" destId="{41752F75-9B2A-4327-971F-A4ED6F98DAFA}" srcOrd="1" destOrd="0" presId="urn:microsoft.com/office/officeart/2009/3/layout/IncreasingArrowsProcess"/>
     <dgm:cxn modelId="{75DEAE64-E91D-4E0B-9C10-609BCDA79E0D}" type="presParOf" srcId="{0EC1678B-4907-4CA5-8AFC-1CBB478CBD7E}" destId="{31C3FFA2-01C6-4C4A-959A-96D2EFFE35C6}" srcOrd="2" destOrd="0" presId="urn:microsoft.com/office/officeart/2009/3/layout/IncreasingArrowsProcess"/>
@@ -11197,8 +11239,8 @@
         </p:nvSpPr>
         <p:spPr>
           <a:xfrm>
-            <a:off x="2819400" y="380999"/>
-            <a:ext cx="3228109" cy="584775"/>
+            <a:off x="3124200" y="380996"/>
+            <a:ext cx="3429000" cy="584775"/>
           </a:xfrm>
           <a:prstGeom prst="rect">
             <a:avLst/>
@@ -11217,7 +11259,7 @@
                   <a:schemeClr val="bg1"/>
                 </a:solidFill>
               </a:rPr>
-              <a:t>Meeting Formats</a:t>
+              <a:t>Sharing Options</a:t>
             </a:r>
             <a:endParaRPr lang="en-US" sz="3200" dirty="0">
               <a:solidFill>
@@ -11255,8 +11297,21 @@
                   <a:schemeClr val="bg1"/>
                 </a:solidFill>
               </a:rPr>
-              <a:t>Share Your Knowledge</a:t>
+              <a:t>Share Your </a:t>
             </a:r>
+            <a:r>
+              <a:rPr lang="en-US" dirty="0" smtClean="0">
+                <a:solidFill>
+                  <a:schemeClr val="bg1"/>
+                </a:solidFill>
+              </a:rPr>
+              <a:t>Knowledge Online</a:t>
+            </a:r>
+            <a:endParaRPr lang="en-US" dirty="0" smtClean="0">
+              <a:solidFill>
+                <a:schemeClr val="bg1"/>
+              </a:solidFill>
+            </a:endParaRPr>
           </a:p>
           <a:p>
             <a:pPr marL="285750" indent="-285750">
@@ -11297,8 +11352,29 @@
                   <a:schemeClr val="bg1"/>
                 </a:solidFill>
               </a:rPr>
-              <a:t>Get feedback and comments</a:t>
+              <a:t>Get </a:t>
             </a:r>
+            <a:r>
+              <a:rPr lang="en-US" dirty="0" smtClean="0">
+                <a:solidFill>
+                  <a:schemeClr val="bg1"/>
+                </a:solidFill>
+              </a:rPr>
+              <a:t>additional ideas </a:t>
+            </a:r>
+            <a:r>
+              <a:rPr lang="en-US" smtClean="0">
+                <a:solidFill>
+                  <a:schemeClr val="bg1"/>
+                </a:solidFill>
+              </a:rPr>
+              <a:t>and feedback</a:t>
+            </a:r>
+            <a:endParaRPr lang="en-US" dirty="0" smtClean="0">
+              <a:solidFill>
+                <a:schemeClr val="bg1"/>
+              </a:solidFill>
+            </a:endParaRPr>
           </a:p>
         </p:txBody>
       </p:sp>
